--- a/Reports/Geospatial Intelligence_v2.pptx
+++ b/Reports/Geospatial Intelligence_v2.pptx
@@ -5,10 +5,10 @@
     <p:sldMasterId id="2147483696" r:id="rId1"/>
   </p:sldMasterIdLst>
   <p:notesMasterIdLst>
-    <p:notesMasterId r:id="rId10"/>
+    <p:notesMasterId r:id="rId13"/>
   </p:notesMasterIdLst>
   <p:handoutMasterIdLst>
-    <p:handoutMasterId r:id="rId11"/>
+    <p:handoutMasterId r:id="rId14"/>
   </p:handoutMasterIdLst>
   <p:sldIdLst>
     <p:sldId id="258" r:id="rId2"/>
@@ -19,6 +19,9 @@
     <p:sldId id="263" r:id="rId7"/>
     <p:sldId id="264" r:id="rId8"/>
     <p:sldId id="265" r:id="rId9"/>
+    <p:sldId id="266" r:id="rId10"/>
+    <p:sldId id="267" r:id="rId11"/>
+    <p:sldId id="268" r:id="rId12"/>
   </p:sldIdLst>
   <p:sldSz cx="12192000" cy="6858000"/>
   <p:notesSz cx="6858000" cy="9144000"/>
@@ -3979,6 +3982,296 @@
 </p:sld>
 </file>
 
+<file path=ppt/slides/slide10.xml><?xml version="1.0" encoding="utf-8"?>
+<p:sld xmlns:a="http://schemas.openxmlformats.org/drawingml/2006/main" xmlns:r="http://schemas.openxmlformats.org/officeDocument/2006/relationships" xmlns:p="http://schemas.openxmlformats.org/presentationml/2006/main">
+  <p:cSld>
+    <p:spTree>
+      <p:nvGrpSpPr>
+        <p:cNvPr id="1" name=""/>
+        <p:cNvGrpSpPr/>
+        <p:nvPr/>
+      </p:nvGrpSpPr>
+      <p:grpSpPr>
+        <a:xfrm>
+          <a:off x="0" y="0"/>
+          <a:ext cx="0" cy="0"/>
+          <a:chOff x="0" y="0"/>
+          <a:chExt cx="0" cy="0"/>
+        </a:xfrm>
+      </p:grpSpPr>
+      <p:sp>
+        <p:nvSpPr>
+          <p:cNvPr id="2" name="Title 1">
+            <a:extLst>
+              <a:ext uri="{FF2B5EF4-FFF2-40B4-BE49-F238E27FC236}">
+                <a16:creationId xmlns:a16="http://schemas.microsoft.com/office/drawing/2014/main" id="{0F36C59B-4C4E-41E5-B0F6-40C34A1E8206}"/>
+              </a:ext>
+            </a:extLst>
+          </p:cNvPr>
+          <p:cNvSpPr>
+            <a:spLocks noGrp="1"/>
+          </p:cNvSpPr>
+          <p:nvPr>
+            <p:ph type="title"/>
+          </p:nvPr>
+        </p:nvSpPr>
+        <p:spPr/>
+        <p:txBody>
+          <a:bodyPr/>
+          <a:lstStyle/>
+          <a:p>
+            <a:r>
+              <a:rPr lang="en-US" dirty="0">
+                <a:solidFill>
+                  <a:srgbClr val="FFC000"/>
+                </a:solidFill>
+              </a:rPr>
+              <a:t>Sentiment Dashboard</a:t>
+            </a:r>
+          </a:p>
+        </p:txBody>
+      </p:sp>
+      <p:sp>
+        <p:nvSpPr>
+          <p:cNvPr id="3" name="Content Placeholder 2">
+            <a:extLst>
+              <a:ext uri="{FF2B5EF4-FFF2-40B4-BE49-F238E27FC236}">
+                <a16:creationId xmlns:a16="http://schemas.microsoft.com/office/drawing/2014/main" id="{5B203ACD-331D-4417-BD57-013D6E9FECFD}"/>
+              </a:ext>
+            </a:extLst>
+          </p:cNvPr>
+          <p:cNvSpPr>
+            <a:spLocks noGrp="1"/>
+          </p:cNvSpPr>
+          <p:nvPr>
+            <p:ph idx="1"/>
+          </p:nvPr>
+        </p:nvSpPr>
+        <p:spPr>
+          <a:xfrm>
+            <a:off x="1219200" y="1426464"/>
+            <a:ext cx="9753600" cy="4572000"/>
+          </a:xfrm>
+        </p:spPr>
+        <p:txBody>
+          <a:bodyPr>
+            <a:normAutofit/>
+          </a:bodyPr>
+          <a:lstStyle/>
+          <a:p>
+            <a:pPr algn="just"/>
+            <a:r>
+              <a:rPr lang="en-US" sz="2000" dirty="0"/>
+              <a:t>The dashboard contains 3 sections:</a:t>
+            </a:r>
+          </a:p>
+          <a:p>
+            <a:pPr lvl="1" algn="just"/>
+            <a:r>
+              <a:rPr lang="en-US" sz="1600" dirty="0"/>
+              <a:t>The Base Map (6) where the layers are displayed.</a:t>
+            </a:r>
+          </a:p>
+          <a:p>
+            <a:pPr lvl="1" algn="just"/>
+            <a:r>
+              <a:rPr lang="en-US" sz="1600" dirty="0"/>
+              <a:t>The Outer Widgets (1-5) which include a general view on the data.</a:t>
+            </a:r>
+          </a:p>
+          <a:p>
+            <a:pPr lvl="1" algn="just"/>
+            <a:r>
+              <a:rPr lang="en-US" sz="1600" dirty="0"/>
+              <a:t>The Inner Widgets (7-11) which provides additional functions that help the viewer search for specific data.</a:t>
+            </a:r>
+          </a:p>
+          <a:p>
+            <a:pPr algn="just"/>
+            <a:r>
+              <a:rPr lang="en-US" sz="2000" dirty="0"/>
+              <a:t>The aim of this dashboard is to provide both general and specific data that can help the viewer get the general conclusion of the data or dig deep into it for more insights.</a:t>
+            </a:r>
+          </a:p>
+          <a:p>
+            <a:pPr algn="just"/>
+            <a:r>
+              <a:rPr lang="en-US" sz="2000" dirty="0"/>
+              <a:t>The dashboard is still under review, but this is the basic idea of what we will show for sentimental analysis.</a:t>
+            </a:r>
+          </a:p>
+        </p:txBody>
+      </p:sp>
+    </p:spTree>
+    <p:extLst>
+      <p:ext uri="{BB962C8B-B14F-4D97-AF65-F5344CB8AC3E}">
+        <p14:creationId xmlns:p14="http://schemas.microsoft.com/office/powerpoint/2010/main" val="3956281563"/>
+      </p:ext>
+    </p:extLst>
+  </p:cSld>
+  <p:clrMapOvr>
+    <a:masterClrMapping/>
+  </p:clrMapOvr>
+  <mc:AlternateContent xmlns:mc="http://schemas.openxmlformats.org/markup-compatibility/2006" xmlns:p14="http://schemas.microsoft.com/office/powerpoint/2010/main">
+    <mc:Choice Requires="p14">
+      <p:transition spd="med" p14:dur="700">
+        <p:fade/>
+      </p:transition>
+    </mc:Choice>
+    <mc:Fallback xmlns="">
+      <p:transition spd="med">
+        <p:fade/>
+      </p:transition>
+    </mc:Fallback>
+  </mc:AlternateContent>
+</p:sld>
+</file>
+
+<file path=ppt/slides/slide11.xml><?xml version="1.0" encoding="utf-8"?>
+<p:sld xmlns:a="http://schemas.openxmlformats.org/drawingml/2006/main" xmlns:r="http://schemas.openxmlformats.org/officeDocument/2006/relationships" xmlns:p="http://schemas.openxmlformats.org/presentationml/2006/main">
+  <p:cSld>
+    <p:spTree>
+      <p:nvGrpSpPr>
+        <p:cNvPr id="1" name=""/>
+        <p:cNvGrpSpPr/>
+        <p:nvPr/>
+      </p:nvGrpSpPr>
+      <p:grpSpPr>
+        <a:xfrm>
+          <a:off x="0" y="0"/>
+          <a:ext cx="0" cy="0"/>
+          <a:chOff x="0" y="0"/>
+          <a:chExt cx="0" cy="0"/>
+        </a:xfrm>
+      </p:grpSpPr>
+      <p:sp>
+        <p:nvSpPr>
+          <p:cNvPr id="2" name="Title 1">
+            <a:extLst>
+              <a:ext uri="{FF2B5EF4-FFF2-40B4-BE49-F238E27FC236}">
+                <a16:creationId xmlns:a16="http://schemas.microsoft.com/office/drawing/2014/main" id="{0F36C59B-4C4E-41E5-B0F6-40C34A1E8206}"/>
+              </a:ext>
+            </a:extLst>
+          </p:cNvPr>
+          <p:cNvSpPr>
+            <a:spLocks noGrp="1"/>
+          </p:cNvSpPr>
+          <p:nvPr>
+            <p:ph type="title"/>
+          </p:nvPr>
+        </p:nvSpPr>
+        <p:spPr/>
+        <p:txBody>
+          <a:bodyPr/>
+          <a:lstStyle/>
+          <a:p>
+            <a:r>
+              <a:rPr lang="en-US" dirty="0">
+                <a:solidFill>
+                  <a:srgbClr val="FFC000"/>
+                </a:solidFill>
+              </a:rPr>
+              <a:t>Sentiment Dashboard</a:t>
+            </a:r>
+          </a:p>
+        </p:txBody>
+      </p:sp>
+      <p:sp>
+        <p:nvSpPr>
+          <p:cNvPr id="3" name="Content Placeholder 2">
+            <a:extLst>
+              <a:ext uri="{FF2B5EF4-FFF2-40B4-BE49-F238E27FC236}">
+                <a16:creationId xmlns:a16="http://schemas.microsoft.com/office/drawing/2014/main" id="{5B203ACD-331D-4417-BD57-013D6E9FECFD}"/>
+              </a:ext>
+            </a:extLst>
+          </p:cNvPr>
+          <p:cNvSpPr>
+            <a:spLocks noGrp="1"/>
+          </p:cNvSpPr>
+          <p:nvPr>
+            <p:ph idx="1"/>
+          </p:nvPr>
+        </p:nvSpPr>
+        <p:spPr>
+          <a:xfrm>
+            <a:off x="1219200" y="1426464"/>
+            <a:ext cx="9753600" cy="4572000"/>
+          </a:xfrm>
+        </p:spPr>
+        <p:txBody>
+          <a:bodyPr>
+            <a:normAutofit/>
+          </a:bodyPr>
+          <a:lstStyle/>
+          <a:p>
+            <a:pPr algn="just"/>
+            <a:r>
+              <a:rPr lang="en-US" sz="2000" dirty="0"/>
+              <a:t>The dashboard contains 3 sections:</a:t>
+            </a:r>
+          </a:p>
+          <a:p>
+            <a:pPr lvl="1" algn="just"/>
+            <a:r>
+              <a:rPr lang="en-US" sz="1600" dirty="0"/>
+              <a:t>The Base Map (6) where the layers are displayed.</a:t>
+            </a:r>
+          </a:p>
+          <a:p>
+            <a:pPr lvl="1" algn="just"/>
+            <a:r>
+              <a:rPr lang="en-US" sz="1600" dirty="0"/>
+              <a:t>The Outer Widgets (1-5) which include a general view on the data.</a:t>
+            </a:r>
+          </a:p>
+          <a:p>
+            <a:pPr lvl="1" algn="just"/>
+            <a:r>
+              <a:rPr lang="en-US" sz="1600" dirty="0"/>
+              <a:t>The Inner Widgets (7-11) which provides additional functions that help the viewer search for specific data.</a:t>
+            </a:r>
+          </a:p>
+          <a:p>
+            <a:pPr algn="just"/>
+            <a:r>
+              <a:rPr lang="en-US" sz="2000" dirty="0"/>
+              <a:t>The aim of this dashboard is to provide both general and specific data that can help the viewer get the general conclusion of the data or dig deep into it for more insights.</a:t>
+            </a:r>
+          </a:p>
+          <a:p>
+            <a:pPr algn="just"/>
+            <a:r>
+              <a:rPr lang="en-US" sz="2000" dirty="0"/>
+              <a:t>The dashboard is still under review, but this is the basic idea of what we will show for sentimental analysis.</a:t>
+            </a:r>
+          </a:p>
+        </p:txBody>
+      </p:sp>
+    </p:spTree>
+    <p:extLst>
+      <p:ext uri="{BB962C8B-B14F-4D97-AF65-F5344CB8AC3E}">
+        <p14:creationId xmlns:p14="http://schemas.microsoft.com/office/powerpoint/2010/main" val="4194262971"/>
+      </p:ext>
+    </p:extLst>
+  </p:cSld>
+  <p:clrMapOvr>
+    <a:masterClrMapping/>
+  </p:clrMapOvr>
+  <mc:AlternateContent xmlns:mc="http://schemas.openxmlformats.org/markup-compatibility/2006" xmlns:p14="http://schemas.microsoft.com/office/powerpoint/2010/main">
+    <mc:Choice Requires="p14">
+      <p:transition spd="med" p14:dur="700">
+        <p:fade/>
+      </p:transition>
+    </mc:Choice>
+    <mc:Fallback xmlns="">
+      <p:transition spd="med">
+        <p:fade/>
+      </p:transition>
+    </mc:Fallback>
+  </mc:AlternateContent>
+</p:sld>
+</file>
+
 <file path=ppt/slides/slide2.xml><?xml version="1.0" encoding="utf-8"?>
 <p:sld xmlns:a="http://schemas.openxmlformats.org/drawingml/2006/main" xmlns:r="http://schemas.openxmlformats.org/officeDocument/2006/relationships" xmlns:p="http://schemas.openxmlformats.org/presentationml/2006/main">
   <p:cSld>
@@ -4382,30 +4675,66 @@
             <a:pPr algn="just"/>
             <a:r>
               <a:rPr lang="en-US" sz="2400" dirty="0"/>
-              <a:t>We can’t get old Tweets. (Standard – Premium)</a:t>
+              <a:t>We can’t get old Tweets. </a:t>
+            </a:r>
+            <a:r>
+              <a:rPr lang="en-US" sz="2400" dirty="0">
+                <a:solidFill>
+                  <a:srgbClr val="FFFF00"/>
+                </a:solidFill>
+              </a:rPr>
+              <a:t>(Standard – Premium)</a:t>
             </a:r>
           </a:p>
           <a:p>
             <a:pPr algn="just"/>
             <a:r>
               <a:rPr lang="en-US" sz="2400" dirty="0"/>
-              <a:t>There are limitations on how many requests we can make and number of Tweets we can get. (All – Standard is even more limited)</a:t>
+              <a:t>There are limitations on how many requests we can make and number of Tweets we can get. </a:t>
+            </a:r>
+            <a:r>
+              <a:rPr lang="en-US" sz="2400" dirty="0">
+                <a:solidFill>
+                  <a:srgbClr val="FFFF00"/>
+                </a:solidFill>
+              </a:rPr>
+              <a:t>(All – Standard is even more limited)</a:t>
             </a:r>
           </a:p>
           <a:p>
             <a:pPr algn="just"/>
             <a:r>
               <a:rPr lang="en-US" sz="2400" dirty="0"/>
-              <a:t>The API will not help us in getting users location, since most users have their location tagging off by default or on for specific tweets only. (All)</a:t>
+              <a:t>The API will not help us in getting users location, since most users have their location tagging off by default or on for specific tweets only. </a:t>
+            </a:r>
+            <a:r>
+              <a:rPr lang="en-US" sz="2400" dirty="0">
+                <a:solidFill>
+                  <a:srgbClr val="FFFF00"/>
+                </a:solidFill>
+              </a:rPr>
+              <a:t>(All)</a:t>
             </a:r>
           </a:p>
           <a:p>
             <a:pPr algn="just"/>
             <a:r>
               <a:rPr lang="en-US" sz="2400" dirty="0"/>
-              <a:t>The cost of Premium or Enterprise Account is not affordable, especially in this current economic situation. (Premium – Enterprise)</a:t>
-            </a:r>
-            <a:endParaRPr lang="en-US" dirty="0"/>
+              <a:t>The cost of Premium or Enterprise Account is not affordable, especially in this current economic situation. </a:t>
+            </a:r>
+            <a:r>
+              <a:rPr lang="en-US" sz="2400" dirty="0">
+                <a:solidFill>
+                  <a:srgbClr val="FFFF00"/>
+                </a:solidFill>
+              </a:rPr>
+              <a:t>(Premium – Enterprise)</a:t>
+            </a:r>
+            <a:endParaRPr lang="en-US" dirty="0">
+              <a:solidFill>
+                <a:srgbClr val="FFFF00"/>
+              </a:solidFill>
+            </a:endParaRPr>
           </a:p>
         </p:txBody>
       </p:sp>
@@ -4849,7 +5178,7 @@
             <a:pPr algn="just"/>
             <a:r>
               <a:rPr lang="en-US" sz="2800" dirty="0"/>
-              <a:t>The following analysis will be done:</a:t>
+              <a:t>Analysis Summary:</a:t>
             </a:r>
           </a:p>
           <a:p>
@@ -4870,7 +5199,7 @@
             <a:pPr lvl="2" algn="just"/>
             <a:r>
               <a:rPr lang="en-US" sz="2000" dirty="0"/>
-              <a:t>Linking the results to user and their locations.</a:t>
+              <a:t>Linking the results to users and their locations.</a:t>
             </a:r>
           </a:p>
           <a:p>
@@ -4971,7 +5300,1052 @@
                   <a:srgbClr val="FFC000"/>
                 </a:solidFill>
               </a:rPr>
-              <a:t>Analyzing The Data (cont.)</a:t>
+              <a:t>Sentiment Dashboard</a:t>
+            </a:r>
+          </a:p>
+        </p:txBody>
+      </p:sp>
+      <p:pic>
+        <p:nvPicPr>
+          <p:cNvPr id="5" name="Content Placeholder 4">
+            <a:extLst>
+              <a:ext uri="{FF2B5EF4-FFF2-40B4-BE49-F238E27FC236}">
+                <a16:creationId xmlns:a16="http://schemas.microsoft.com/office/drawing/2014/main" id="{4AC466B1-E340-45D8-BC61-9D2F792A6017}"/>
+              </a:ext>
+            </a:extLst>
+          </p:cNvPr>
+          <p:cNvPicPr>
+            <a:picLocks noGrp="1" noChangeAspect="1"/>
+          </p:cNvPicPr>
+          <p:nvPr>
+            <p:ph idx="1"/>
+          </p:nvPr>
+        </p:nvPicPr>
+        <p:blipFill>
+          <a:blip r:embed="rId2">
+            <a:extLst>
+              <a:ext uri="{28A0092B-C50C-407E-A947-70E740481C1C}">
+                <a14:useLocalDpi xmlns:a14="http://schemas.microsoft.com/office/drawing/2010/main" val="0"/>
+              </a:ext>
+            </a:extLst>
+          </a:blip>
+          <a:stretch>
+            <a:fillRect/>
+          </a:stretch>
+        </p:blipFill>
+        <p:spPr>
+          <a:xfrm>
+            <a:off x="1219200" y="1251902"/>
+            <a:ext cx="9753600" cy="5094033"/>
+          </a:xfrm>
+        </p:spPr>
+      </p:pic>
+      <p:sp>
+        <p:nvSpPr>
+          <p:cNvPr id="6" name="TextBox 5">
+            <a:extLst>
+              <a:ext uri="{FF2B5EF4-FFF2-40B4-BE49-F238E27FC236}">
+                <a16:creationId xmlns:a16="http://schemas.microsoft.com/office/drawing/2014/main" id="{56EA2C28-8A03-4951-8130-C9FFADF8EF75}"/>
+              </a:ext>
+            </a:extLst>
+          </p:cNvPr>
+          <p:cNvSpPr txBox="1"/>
+          <p:nvPr/>
+        </p:nvSpPr>
+        <p:spPr>
+          <a:xfrm>
+            <a:off x="3456265" y="2299151"/>
+            <a:ext cx="570451" cy="562630"/>
+          </a:xfrm>
+          <a:prstGeom prst="ellipse">
+            <a:avLst/>
+          </a:prstGeom>
+          <a:noFill/>
+          <a:ln w="38100">
+            <a:solidFill>
+              <a:srgbClr val="FF0000"/>
+            </a:solidFill>
+          </a:ln>
+        </p:spPr>
+        <p:txBody>
+          <a:bodyPr wrap="square" rtlCol="0">
+            <a:spAutoFit/>
+          </a:bodyPr>
+          <a:lstStyle/>
+          <a:p>
+            <a:pPr algn="ctr"/>
+            <a:r>
+              <a:rPr lang="en-US" sz="2000" dirty="0">
+                <a:ln w="0"/>
+                <a:solidFill>
+                  <a:srgbClr val="FF0000"/>
+                </a:solidFill>
+                <a:effectLst>
+                  <a:outerShdw blurRad="38100" dist="19050" dir="2700000" algn="tl" rotWithShape="0">
+                    <a:schemeClr val="dk1">
+                      <a:alpha val="40000"/>
+                    </a:schemeClr>
+                  </a:outerShdw>
+                </a:effectLst>
+              </a:rPr>
+              <a:t>1</a:t>
+            </a:r>
+            <a:endParaRPr lang="en-US" dirty="0">
+              <a:ln w="0"/>
+              <a:solidFill>
+                <a:srgbClr val="FF0000"/>
+              </a:solidFill>
+              <a:effectLst>
+                <a:outerShdw blurRad="38100" dist="19050" dir="2700000" algn="tl" rotWithShape="0">
+                  <a:schemeClr val="dk1">
+                    <a:alpha val="40000"/>
+                  </a:schemeClr>
+                </a:outerShdw>
+              </a:effectLst>
+            </a:endParaRPr>
+          </a:p>
+        </p:txBody>
+      </p:sp>
+      <p:sp>
+        <p:nvSpPr>
+          <p:cNvPr id="8" name="TextBox 7">
+            <a:extLst>
+              <a:ext uri="{FF2B5EF4-FFF2-40B4-BE49-F238E27FC236}">
+                <a16:creationId xmlns:a16="http://schemas.microsoft.com/office/drawing/2014/main" id="{0307F3B9-DAA7-455C-9598-D570D7DF4158}"/>
+              </a:ext>
+            </a:extLst>
+          </p:cNvPr>
+          <p:cNvSpPr txBox="1"/>
+          <p:nvPr/>
+        </p:nvSpPr>
+        <p:spPr>
+          <a:xfrm>
+            <a:off x="3054991" y="5324783"/>
+            <a:ext cx="570451" cy="562630"/>
+          </a:xfrm>
+          <a:prstGeom prst="ellipse">
+            <a:avLst/>
+          </a:prstGeom>
+          <a:noFill/>
+          <a:ln w="38100">
+            <a:solidFill>
+              <a:srgbClr val="FF0000"/>
+            </a:solidFill>
+          </a:ln>
+        </p:spPr>
+        <p:txBody>
+          <a:bodyPr wrap="square" rtlCol="0">
+            <a:spAutoFit/>
+          </a:bodyPr>
+          <a:lstStyle/>
+          <a:p>
+            <a:pPr algn="ctr"/>
+            <a:r>
+              <a:rPr lang="en-US" sz="2000" dirty="0">
+                <a:ln w="0"/>
+                <a:solidFill>
+                  <a:srgbClr val="FF0000"/>
+                </a:solidFill>
+                <a:effectLst>
+                  <a:outerShdw blurRad="38100" dist="19050" dir="2700000" algn="tl" rotWithShape="0">
+                    <a:schemeClr val="dk1">
+                      <a:alpha val="40000"/>
+                    </a:schemeClr>
+                  </a:outerShdw>
+                </a:effectLst>
+              </a:rPr>
+              <a:t>3</a:t>
+            </a:r>
+            <a:endParaRPr lang="en-US" dirty="0">
+              <a:ln w="0"/>
+              <a:solidFill>
+                <a:srgbClr val="FF0000"/>
+              </a:solidFill>
+              <a:effectLst>
+                <a:outerShdw blurRad="38100" dist="19050" dir="2700000" algn="tl" rotWithShape="0">
+                  <a:schemeClr val="dk1">
+                    <a:alpha val="40000"/>
+                  </a:schemeClr>
+                </a:outerShdw>
+              </a:effectLst>
+            </a:endParaRPr>
+          </a:p>
+        </p:txBody>
+      </p:sp>
+      <p:sp>
+        <p:nvSpPr>
+          <p:cNvPr id="9" name="TextBox 8">
+            <a:extLst>
+              <a:ext uri="{FF2B5EF4-FFF2-40B4-BE49-F238E27FC236}">
+                <a16:creationId xmlns:a16="http://schemas.microsoft.com/office/drawing/2014/main" id="{61AC21C9-330A-4D0B-A671-23BE91CF0B23}"/>
+              </a:ext>
+            </a:extLst>
+          </p:cNvPr>
+          <p:cNvSpPr txBox="1"/>
+          <p:nvPr/>
+        </p:nvSpPr>
+        <p:spPr>
+          <a:xfrm>
+            <a:off x="4782423" y="4762890"/>
+            <a:ext cx="570451" cy="562630"/>
+          </a:xfrm>
+          <a:prstGeom prst="ellipse">
+            <a:avLst/>
+          </a:prstGeom>
+          <a:noFill/>
+          <a:ln w="38100">
+            <a:solidFill>
+              <a:srgbClr val="FF0000"/>
+            </a:solidFill>
+          </a:ln>
+        </p:spPr>
+        <p:txBody>
+          <a:bodyPr wrap="square" rtlCol="0">
+            <a:spAutoFit/>
+          </a:bodyPr>
+          <a:lstStyle/>
+          <a:p>
+            <a:pPr algn="ctr"/>
+            <a:r>
+              <a:rPr lang="en-US" sz="2000" dirty="0">
+                <a:ln w="0"/>
+                <a:solidFill>
+                  <a:srgbClr val="FF0000"/>
+                </a:solidFill>
+                <a:effectLst>
+                  <a:outerShdw blurRad="38100" dist="19050" dir="2700000" algn="tl" rotWithShape="0">
+                    <a:schemeClr val="dk1">
+                      <a:alpha val="40000"/>
+                    </a:schemeClr>
+                  </a:outerShdw>
+                </a:effectLst>
+              </a:rPr>
+              <a:t>4</a:t>
+            </a:r>
+            <a:endParaRPr lang="en-US" dirty="0">
+              <a:ln w="0"/>
+              <a:solidFill>
+                <a:srgbClr val="FF0000"/>
+              </a:solidFill>
+              <a:effectLst>
+                <a:outerShdw blurRad="38100" dist="19050" dir="2700000" algn="tl" rotWithShape="0">
+                  <a:schemeClr val="dk1">
+                    <a:alpha val="40000"/>
+                  </a:schemeClr>
+                </a:outerShdw>
+              </a:effectLst>
+            </a:endParaRPr>
+          </a:p>
+        </p:txBody>
+      </p:sp>
+      <p:sp>
+        <p:nvSpPr>
+          <p:cNvPr id="10" name="TextBox 9">
+            <a:extLst>
+              <a:ext uri="{FF2B5EF4-FFF2-40B4-BE49-F238E27FC236}">
+                <a16:creationId xmlns:a16="http://schemas.microsoft.com/office/drawing/2014/main" id="{2F175952-64CF-4944-93BD-E340E38060B8}"/>
+              </a:ext>
+            </a:extLst>
+          </p:cNvPr>
+          <p:cNvSpPr txBox="1"/>
+          <p:nvPr/>
+        </p:nvSpPr>
+        <p:spPr>
+          <a:xfrm>
+            <a:off x="8071608" y="4698742"/>
+            <a:ext cx="570451" cy="562630"/>
+          </a:xfrm>
+          <a:prstGeom prst="ellipse">
+            <a:avLst/>
+          </a:prstGeom>
+          <a:noFill/>
+          <a:ln w="38100">
+            <a:solidFill>
+              <a:srgbClr val="FF0000"/>
+            </a:solidFill>
+          </a:ln>
+        </p:spPr>
+        <p:txBody>
+          <a:bodyPr wrap="square" rtlCol="0">
+            <a:spAutoFit/>
+          </a:bodyPr>
+          <a:lstStyle/>
+          <a:p>
+            <a:pPr algn="ctr"/>
+            <a:r>
+              <a:rPr lang="en-US" sz="2000" dirty="0">
+                <a:ln w="0"/>
+                <a:solidFill>
+                  <a:srgbClr val="FF0000"/>
+                </a:solidFill>
+                <a:effectLst>
+                  <a:outerShdw blurRad="38100" dist="19050" dir="2700000" algn="tl" rotWithShape="0">
+                    <a:schemeClr val="dk1">
+                      <a:alpha val="40000"/>
+                    </a:schemeClr>
+                  </a:outerShdw>
+                </a:effectLst>
+              </a:rPr>
+              <a:t>5</a:t>
+            </a:r>
+            <a:endParaRPr lang="en-US" dirty="0">
+              <a:ln w="0"/>
+              <a:solidFill>
+                <a:srgbClr val="FF0000"/>
+              </a:solidFill>
+              <a:effectLst>
+                <a:outerShdw blurRad="38100" dist="19050" dir="2700000" algn="tl" rotWithShape="0">
+                  <a:schemeClr val="dk1">
+                    <a:alpha val="40000"/>
+                  </a:schemeClr>
+                </a:outerShdw>
+              </a:effectLst>
+            </a:endParaRPr>
+          </a:p>
+        </p:txBody>
+      </p:sp>
+      <p:sp>
+        <p:nvSpPr>
+          <p:cNvPr id="11" name="TextBox 10">
+            <a:extLst>
+              <a:ext uri="{FF2B5EF4-FFF2-40B4-BE49-F238E27FC236}">
+                <a16:creationId xmlns:a16="http://schemas.microsoft.com/office/drawing/2014/main" id="{24945B26-5F60-4C5B-91BA-18CEE773735B}"/>
+              </a:ext>
+            </a:extLst>
+          </p:cNvPr>
+          <p:cNvSpPr txBox="1"/>
+          <p:nvPr/>
+        </p:nvSpPr>
+        <p:spPr>
+          <a:xfrm>
+            <a:off x="8205831" y="3236288"/>
+            <a:ext cx="570451" cy="562630"/>
+          </a:xfrm>
+          <a:prstGeom prst="ellipse">
+            <a:avLst/>
+          </a:prstGeom>
+          <a:noFill/>
+          <a:ln w="38100">
+            <a:solidFill>
+              <a:srgbClr val="FF0000"/>
+            </a:solidFill>
+          </a:ln>
+        </p:spPr>
+        <p:txBody>
+          <a:bodyPr wrap="square" rtlCol="0">
+            <a:spAutoFit/>
+          </a:bodyPr>
+          <a:lstStyle/>
+          <a:p>
+            <a:pPr algn="ctr"/>
+            <a:r>
+              <a:rPr lang="en-US" sz="2000" dirty="0">
+                <a:ln w="0"/>
+                <a:solidFill>
+                  <a:srgbClr val="FF0000"/>
+                </a:solidFill>
+                <a:effectLst>
+                  <a:outerShdw blurRad="38100" dist="19050" dir="2700000" algn="tl" rotWithShape="0">
+                    <a:schemeClr val="dk1">
+                      <a:alpha val="40000"/>
+                    </a:schemeClr>
+                  </a:outerShdw>
+                </a:effectLst>
+              </a:rPr>
+              <a:t>6</a:t>
+            </a:r>
+            <a:endParaRPr lang="en-US" dirty="0">
+              <a:ln w="0"/>
+              <a:solidFill>
+                <a:srgbClr val="FF0000"/>
+              </a:solidFill>
+              <a:effectLst>
+                <a:outerShdw blurRad="38100" dist="19050" dir="2700000" algn="tl" rotWithShape="0">
+                  <a:schemeClr val="dk1">
+                    <a:alpha val="40000"/>
+                  </a:schemeClr>
+                </a:outerShdw>
+              </a:effectLst>
+            </a:endParaRPr>
+          </a:p>
+        </p:txBody>
+      </p:sp>
+      <p:sp>
+        <p:nvSpPr>
+          <p:cNvPr id="12" name="TextBox 11">
+            <a:extLst>
+              <a:ext uri="{FF2B5EF4-FFF2-40B4-BE49-F238E27FC236}">
+                <a16:creationId xmlns:a16="http://schemas.microsoft.com/office/drawing/2014/main" id="{7F54E62F-9048-47A4-BB19-6672CE2C4C70}"/>
+              </a:ext>
+            </a:extLst>
+          </p:cNvPr>
+          <p:cNvSpPr txBox="1"/>
+          <p:nvPr/>
+        </p:nvSpPr>
+        <p:spPr>
+          <a:xfrm>
+            <a:off x="4142064" y="3604884"/>
+            <a:ext cx="570451" cy="562630"/>
+          </a:xfrm>
+          <a:prstGeom prst="ellipse">
+            <a:avLst/>
+          </a:prstGeom>
+          <a:noFill/>
+          <a:ln w="38100">
+            <a:solidFill>
+              <a:srgbClr val="FF0000"/>
+            </a:solidFill>
+          </a:ln>
+        </p:spPr>
+        <p:txBody>
+          <a:bodyPr wrap="square" rtlCol="0">
+            <a:spAutoFit/>
+          </a:bodyPr>
+          <a:lstStyle/>
+          <a:p>
+            <a:pPr algn="ctr"/>
+            <a:r>
+              <a:rPr lang="en-US" sz="2000" dirty="0">
+                <a:ln w="0"/>
+                <a:solidFill>
+                  <a:srgbClr val="FF0000"/>
+                </a:solidFill>
+                <a:effectLst>
+                  <a:outerShdw blurRad="38100" dist="19050" dir="2700000" algn="tl" rotWithShape="0">
+                    <a:schemeClr val="dk1">
+                      <a:alpha val="40000"/>
+                    </a:schemeClr>
+                  </a:outerShdw>
+                </a:effectLst>
+              </a:rPr>
+              <a:t>2</a:t>
+            </a:r>
+            <a:endParaRPr lang="en-US" dirty="0">
+              <a:ln w="0"/>
+              <a:solidFill>
+                <a:srgbClr val="FF0000"/>
+              </a:solidFill>
+              <a:effectLst>
+                <a:outerShdw blurRad="38100" dist="19050" dir="2700000" algn="tl" rotWithShape="0">
+                  <a:schemeClr val="dk1">
+                    <a:alpha val="40000"/>
+                  </a:schemeClr>
+                </a:outerShdw>
+              </a:effectLst>
+            </a:endParaRPr>
+          </a:p>
+        </p:txBody>
+      </p:sp>
+      <p:cxnSp>
+        <p:nvCxnSpPr>
+          <p:cNvPr id="14" name="Straight Arrow Connector 13">
+            <a:extLst>
+              <a:ext uri="{FF2B5EF4-FFF2-40B4-BE49-F238E27FC236}">
+                <a16:creationId xmlns:a16="http://schemas.microsoft.com/office/drawing/2014/main" id="{D4B229C8-A92E-4DEB-B622-A0EAACCDD1EF}"/>
+              </a:ext>
+            </a:extLst>
+          </p:cNvPr>
+          <p:cNvCxnSpPr>
+            <a:cxnSpLocks/>
+          </p:cNvCxnSpPr>
+          <p:nvPr/>
+        </p:nvCxnSpPr>
+        <p:spPr>
+          <a:xfrm flipV="1">
+            <a:off x="4538445" y="2072082"/>
+            <a:ext cx="0" cy="508384"/>
+          </a:xfrm>
+          <a:prstGeom prst="straightConnector1">
+            <a:avLst/>
+          </a:prstGeom>
+          <a:ln>
+            <a:solidFill>
+              <a:srgbClr val="FF0000"/>
+            </a:solidFill>
+            <a:tailEnd type="triangle"/>
+          </a:ln>
+        </p:spPr>
+        <p:style>
+          <a:lnRef idx="1">
+            <a:schemeClr val="accent6"/>
+          </a:lnRef>
+          <a:fillRef idx="0">
+            <a:schemeClr val="accent6"/>
+          </a:fillRef>
+          <a:effectRef idx="0">
+            <a:schemeClr val="accent6"/>
+          </a:effectRef>
+          <a:fontRef idx="minor">
+            <a:schemeClr val="tx1"/>
+          </a:fontRef>
+        </p:style>
+      </p:cxnSp>
+      <p:cxnSp>
+        <p:nvCxnSpPr>
+          <p:cNvPr id="17" name="Straight Arrow Connector 16">
+            <a:extLst>
+              <a:ext uri="{FF2B5EF4-FFF2-40B4-BE49-F238E27FC236}">
+                <a16:creationId xmlns:a16="http://schemas.microsoft.com/office/drawing/2014/main" id="{CAFC504C-4AEC-44E4-8A63-95F55A301BE6}"/>
+              </a:ext>
+            </a:extLst>
+          </p:cNvPr>
+          <p:cNvCxnSpPr>
+            <a:cxnSpLocks/>
+          </p:cNvCxnSpPr>
+          <p:nvPr/>
+        </p:nvCxnSpPr>
+        <p:spPr>
+          <a:xfrm flipV="1">
+            <a:off x="4739081" y="2072082"/>
+            <a:ext cx="0" cy="508384"/>
+          </a:xfrm>
+          <a:prstGeom prst="straightConnector1">
+            <a:avLst/>
+          </a:prstGeom>
+          <a:ln>
+            <a:solidFill>
+              <a:srgbClr val="FF0000"/>
+            </a:solidFill>
+            <a:tailEnd type="triangle"/>
+          </a:ln>
+        </p:spPr>
+        <p:style>
+          <a:lnRef idx="1">
+            <a:schemeClr val="accent6"/>
+          </a:lnRef>
+          <a:fillRef idx="0">
+            <a:schemeClr val="accent6"/>
+          </a:fillRef>
+          <a:effectRef idx="0">
+            <a:schemeClr val="accent6"/>
+          </a:effectRef>
+          <a:fontRef idx="minor">
+            <a:schemeClr val="tx1"/>
+          </a:fontRef>
+        </p:style>
+      </p:cxnSp>
+      <p:cxnSp>
+        <p:nvCxnSpPr>
+          <p:cNvPr id="18" name="Straight Arrow Connector 17">
+            <a:extLst>
+              <a:ext uri="{FF2B5EF4-FFF2-40B4-BE49-F238E27FC236}">
+                <a16:creationId xmlns:a16="http://schemas.microsoft.com/office/drawing/2014/main" id="{24582A60-8E11-4959-BA86-88C8191A10C5}"/>
+              </a:ext>
+            </a:extLst>
+          </p:cNvPr>
+          <p:cNvCxnSpPr>
+            <a:cxnSpLocks/>
+          </p:cNvCxnSpPr>
+          <p:nvPr/>
+        </p:nvCxnSpPr>
+        <p:spPr>
+          <a:xfrm flipV="1">
+            <a:off x="4984460" y="2072082"/>
+            <a:ext cx="0" cy="508384"/>
+          </a:xfrm>
+          <a:prstGeom prst="straightConnector1">
+            <a:avLst/>
+          </a:prstGeom>
+          <a:ln>
+            <a:solidFill>
+              <a:srgbClr val="FF0000"/>
+            </a:solidFill>
+            <a:tailEnd type="triangle"/>
+          </a:ln>
+        </p:spPr>
+        <p:style>
+          <a:lnRef idx="1">
+            <a:schemeClr val="accent6"/>
+          </a:lnRef>
+          <a:fillRef idx="0">
+            <a:schemeClr val="accent6"/>
+          </a:fillRef>
+          <a:effectRef idx="0">
+            <a:schemeClr val="accent6"/>
+          </a:effectRef>
+          <a:fontRef idx="minor">
+            <a:schemeClr val="tx1"/>
+          </a:fontRef>
+        </p:style>
+      </p:cxnSp>
+      <p:cxnSp>
+        <p:nvCxnSpPr>
+          <p:cNvPr id="19" name="Straight Arrow Connector 18">
+            <a:extLst>
+              <a:ext uri="{FF2B5EF4-FFF2-40B4-BE49-F238E27FC236}">
+                <a16:creationId xmlns:a16="http://schemas.microsoft.com/office/drawing/2014/main" id="{87CA0EE1-EA8B-4E1D-90AD-5E68911F54FE}"/>
+              </a:ext>
+            </a:extLst>
+          </p:cNvPr>
+          <p:cNvCxnSpPr>
+            <a:cxnSpLocks/>
+          </p:cNvCxnSpPr>
+          <p:nvPr/>
+        </p:nvCxnSpPr>
+        <p:spPr>
+          <a:xfrm flipV="1">
+            <a:off x="5210962" y="2072082"/>
+            <a:ext cx="0" cy="508384"/>
+          </a:xfrm>
+          <a:prstGeom prst="straightConnector1">
+            <a:avLst/>
+          </a:prstGeom>
+          <a:ln>
+            <a:solidFill>
+              <a:srgbClr val="FF0000"/>
+            </a:solidFill>
+            <a:tailEnd type="triangle"/>
+          </a:ln>
+        </p:spPr>
+        <p:style>
+          <a:lnRef idx="1">
+            <a:schemeClr val="accent6"/>
+          </a:lnRef>
+          <a:fillRef idx="0">
+            <a:schemeClr val="accent6"/>
+          </a:fillRef>
+          <a:effectRef idx="0">
+            <a:schemeClr val="accent6"/>
+          </a:effectRef>
+          <a:fontRef idx="minor">
+            <a:schemeClr val="tx1"/>
+          </a:fontRef>
+        </p:style>
+      </p:cxnSp>
+      <p:cxnSp>
+        <p:nvCxnSpPr>
+          <p:cNvPr id="20" name="Straight Arrow Connector 19">
+            <a:extLst>
+              <a:ext uri="{FF2B5EF4-FFF2-40B4-BE49-F238E27FC236}">
+                <a16:creationId xmlns:a16="http://schemas.microsoft.com/office/drawing/2014/main" id="{BAB1C2FB-D59B-4AEB-9B5E-16A7A19418E7}"/>
+              </a:ext>
+            </a:extLst>
+          </p:cNvPr>
+          <p:cNvCxnSpPr>
+            <a:cxnSpLocks/>
+          </p:cNvCxnSpPr>
+          <p:nvPr/>
+        </p:nvCxnSpPr>
+        <p:spPr>
+          <a:xfrm flipV="1">
+            <a:off x="5445854" y="2072082"/>
+            <a:ext cx="0" cy="508384"/>
+          </a:xfrm>
+          <a:prstGeom prst="straightConnector1">
+            <a:avLst/>
+          </a:prstGeom>
+          <a:ln>
+            <a:solidFill>
+              <a:srgbClr val="FF0000"/>
+            </a:solidFill>
+            <a:tailEnd type="triangle"/>
+          </a:ln>
+        </p:spPr>
+        <p:style>
+          <a:lnRef idx="1">
+            <a:schemeClr val="accent6"/>
+          </a:lnRef>
+          <a:fillRef idx="0">
+            <a:schemeClr val="accent6"/>
+          </a:fillRef>
+          <a:effectRef idx="0">
+            <a:schemeClr val="accent6"/>
+          </a:effectRef>
+          <a:fontRef idx="minor">
+            <a:schemeClr val="tx1"/>
+          </a:fontRef>
+        </p:style>
+      </p:cxnSp>
+      <p:sp>
+        <p:nvSpPr>
+          <p:cNvPr id="21" name="TextBox 20">
+            <a:extLst>
+              <a:ext uri="{FF2B5EF4-FFF2-40B4-BE49-F238E27FC236}">
+                <a16:creationId xmlns:a16="http://schemas.microsoft.com/office/drawing/2014/main" id="{32628F62-6061-4C4E-808B-2ADB61996F0E}"/>
+              </a:ext>
+            </a:extLst>
+          </p:cNvPr>
+          <p:cNvSpPr txBox="1"/>
+          <p:nvPr/>
+        </p:nvSpPr>
+        <p:spPr>
+          <a:xfrm>
+            <a:off x="4358432" y="2580466"/>
+            <a:ext cx="360026" cy="389513"/>
+          </a:xfrm>
+          <a:prstGeom prst="ellipse">
+            <a:avLst/>
+          </a:prstGeom>
+          <a:noFill/>
+          <a:ln w="38100">
+            <a:noFill/>
+          </a:ln>
+        </p:spPr>
+        <p:txBody>
+          <a:bodyPr wrap="square" rtlCol="0">
+            <a:spAutoFit/>
+          </a:bodyPr>
+          <a:lstStyle/>
+          <a:p>
+            <a:pPr algn="ctr"/>
+            <a:r>
+              <a:rPr lang="en-US" sz="1200" dirty="0">
+                <a:ln w="0"/>
+                <a:solidFill>
+                  <a:srgbClr val="FF0000"/>
+                </a:solidFill>
+                <a:effectLst>
+                  <a:outerShdw blurRad="38100" dist="19050" dir="2700000" algn="tl" rotWithShape="0">
+                    <a:schemeClr val="dk1">
+                      <a:alpha val="40000"/>
+                    </a:schemeClr>
+                  </a:outerShdw>
+                </a:effectLst>
+              </a:rPr>
+              <a:t>7</a:t>
+            </a:r>
+            <a:endParaRPr lang="en-US" dirty="0">
+              <a:ln w="0"/>
+              <a:solidFill>
+                <a:srgbClr val="FF0000"/>
+              </a:solidFill>
+              <a:effectLst>
+                <a:outerShdw blurRad="38100" dist="19050" dir="2700000" algn="tl" rotWithShape="0">
+                  <a:schemeClr val="dk1">
+                    <a:alpha val="40000"/>
+                  </a:schemeClr>
+                </a:outerShdw>
+              </a:effectLst>
+            </a:endParaRPr>
+          </a:p>
+        </p:txBody>
+      </p:sp>
+      <p:sp>
+        <p:nvSpPr>
+          <p:cNvPr id="22" name="TextBox 21">
+            <a:extLst>
+              <a:ext uri="{FF2B5EF4-FFF2-40B4-BE49-F238E27FC236}">
+                <a16:creationId xmlns:a16="http://schemas.microsoft.com/office/drawing/2014/main" id="{1B069C9B-BF80-4B4C-96AC-E41A7AD7085F}"/>
+              </a:ext>
+            </a:extLst>
+          </p:cNvPr>
+          <p:cNvSpPr txBox="1"/>
+          <p:nvPr/>
+        </p:nvSpPr>
+        <p:spPr>
+          <a:xfrm>
+            <a:off x="4559068" y="2582373"/>
+            <a:ext cx="360026" cy="389513"/>
+          </a:xfrm>
+          <a:prstGeom prst="ellipse">
+            <a:avLst/>
+          </a:prstGeom>
+          <a:noFill/>
+          <a:ln w="38100">
+            <a:noFill/>
+          </a:ln>
+        </p:spPr>
+        <p:txBody>
+          <a:bodyPr wrap="square" rtlCol="0">
+            <a:spAutoFit/>
+          </a:bodyPr>
+          <a:lstStyle/>
+          <a:p>
+            <a:pPr algn="ctr"/>
+            <a:r>
+              <a:rPr lang="en-US" sz="1200" dirty="0">
+                <a:ln w="0"/>
+                <a:solidFill>
+                  <a:srgbClr val="FF0000"/>
+                </a:solidFill>
+                <a:effectLst>
+                  <a:outerShdw blurRad="38100" dist="19050" dir="2700000" algn="tl" rotWithShape="0">
+                    <a:schemeClr val="dk1">
+                      <a:alpha val="40000"/>
+                    </a:schemeClr>
+                  </a:outerShdw>
+                </a:effectLst>
+              </a:rPr>
+              <a:t>8</a:t>
+            </a:r>
+            <a:endParaRPr lang="en-US" dirty="0">
+              <a:ln w="0"/>
+              <a:solidFill>
+                <a:srgbClr val="FF0000"/>
+              </a:solidFill>
+              <a:effectLst>
+                <a:outerShdw blurRad="38100" dist="19050" dir="2700000" algn="tl" rotWithShape="0">
+                  <a:schemeClr val="dk1">
+                    <a:alpha val="40000"/>
+                  </a:schemeClr>
+                </a:outerShdw>
+              </a:effectLst>
+            </a:endParaRPr>
+          </a:p>
+        </p:txBody>
+      </p:sp>
+      <p:sp>
+        <p:nvSpPr>
+          <p:cNvPr id="23" name="TextBox 22">
+            <a:extLst>
+              <a:ext uri="{FF2B5EF4-FFF2-40B4-BE49-F238E27FC236}">
+                <a16:creationId xmlns:a16="http://schemas.microsoft.com/office/drawing/2014/main" id="{903F7EA6-B7E0-424C-8926-3C5878D05899}"/>
+              </a:ext>
+            </a:extLst>
+          </p:cNvPr>
+          <p:cNvSpPr txBox="1"/>
+          <p:nvPr/>
+        </p:nvSpPr>
+        <p:spPr>
+          <a:xfrm>
+            <a:off x="4796058" y="2580466"/>
+            <a:ext cx="360026" cy="389513"/>
+          </a:xfrm>
+          <a:prstGeom prst="ellipse">
+            <a:avLst/>
+          </a:prstGeom>
+          <a:noFill/>
+          <a:ln w="38100">
+            <a:noFill/>
+          </a:ln>
+        </p:spPr>
+        <p:txBody>
+          <a:bodyPr wrap="square" rtlCol="0">
+            <a:spAutoFit/>
+          </a:bodyPr>
+          <a:lstStyle/>
+          <a:p>
+            <a:pPr algn="ctr"/>
+            <a:r>
+              <a:rPr lang="en-US" sz="1200" dirty="0">
+                <a:ln w="0"/>
+                <a:solidFill>
+                  <a:srgbClr val="FF0000"/>
+                </a:solidFill>
+                <a:effectLst>
+                  <a:outerShdw blurRad="38100" dist="19050" dir="2700000" algn="tl" rotWithShape="0">
+                    <a:schemeClr val="dk1">
+                      <a:alpha val="40000"/>
+                    </a:schemeClr>
+                  </a:outerShdw>
+                </a:effectLst>
+              </a:rPr>
+              <a:t>9</a:t>
+            </a:r>
+            <a:endParaRPr lang="en-US" dirty="0">
+              <a:ln w="0"/>
+              <a:solidFill>
+                <a:srgbClr val="FF0000"/>
+              </a:solidFill>
+              <a:effectLst>
+                <a:outerShdw blurRad="38100" dist="19050" dir="2700000" algn="tl" rotWithShape="0">
+                  <a:schemeClr val="dk1">
+                    <a:alpha val="40000"/>
+                  </a:schemeClr>
+                </a:outerShdw>
+              </a:effectLst>
+            </a:endParaRPr>
+          </a:p>
+        </p:txBody>
+      </p:sp>
+      <p:sp>
+        <p:nvSpPr>
+          <p:cNvPr id="24" name="TextBox 23">
+            <a:extLst>
+              <a:ext uri="{FF2B5EF4-FFF2-40B4-BE49-F238E27FC236}">
+                <a16:creationId xmlns:a16="http://schemas.microsoft.com/office/drawing/2014/main" id="{A7853839-1342-4944-B948-5C5B5DA12343}"/>
+              </a:ext>
+            </a:extLst>
+          </p:cNvPr>
+          <p:cNvSpPr txBox="1"/>
+          <p:nvPr/>
+        </p:nvSpPr>
+        <p:spPr>
+          <a:xfrm>
+            <a:off x="4959992" y="2587100"/>
+            <a:ext cx="500892" cy="389513"/>
+          </a:xfrm>
+          <a:prstGeom prst="ellipse">
+            <a:avLst/>
+          </a:prstGeom>
+          <a:noFill/>
+          <a:ln w="38100">
+            <a:noFill/>
+          </a:ln>
+        </p:spPr>
+        <p:txBody>
+          <a:bodyPr wrap="square" rtlCol="0">
+            <a:spAutoFit/>
+          </a:bodyPr>
+          <a:lstStyle/>
+          <a:p>
+            <a:pPr algn="ctr"/>
+            <a:r>
+              <a:rPr lang="en-US" sz="1200" dirty="0">
+                <a:ln w="0"/>
+                <a:solidFill>
+                  <a:srgbClr val="FF0000"/>
+                </a:solidFill>
+                <a:effectLst>
+                  <a:outerShdw blurRad="38100" dist="19050" dir="2700000" algn="tl" rotWithShape="0">
+                    <a:schemeClr val="dk1">
+                      <a:alpha val="40000"/>
+                    </a:schemeClr>
+                  </a:outerShdw>
+                </a:effectLst>
+              </a:rPr>
+              <a:t>10</a:t>
+            </a:r>
+            <a:endParaRPr lang="en-US" dirty="0">
+              <a:ln w="0"/>
+              <a:solidFill>
+                <a:srgbClr val="FF0000"/>
+              </a:solidFill>
+              <a:effectLst>
+                <a:outerShdw blurRad="38100" dist="19050" dir="2700000" algn="tl" rotWithShape="0">
+                  <a:schemeClr val="dk1">
+                    <a:alpha val="40000"/>
+                  </a:schemeClr>
+                </a:outerShdw>
+              </a:effectLst>
+            </a:endParaRPr>
+          </a:p>
+        </p:txBody>
+      </p:sp>
+      <p:sp>
+        <p:nvSpPr>
+          <p:cNvPr id="25" name="TextBox 24">
+            <a:extLst>
+              <a:ext uri="{FF2B5EF4-FFF2-40B4-BE49-F238E27FC236}">
+                <a16:creationId xmlns:a16="http://schemas.microsoft.com/office/drawing/2014/main" id="{262AAC1B-3AFF-4DB9-A1A4-3CC9CB71A73E}"/>
+              </a:ext>
+            </a:extLst>
+          </p:cNvPr>
+          <p:cNvSpPr txBox="1"/>
+          <p:nvPr/>
+        </p:nvSpPr>
+        <p:spPr>
+          <a:xfrm>
+            <a:off x="5195590" y="2587100"/>
+            <a:ext cx="500885" cy="389513"/>
+          </a:xfrm>
+          <a:prstGeom prst="ellipse">
+            <a:avLst/>
+          </a:prstGeom>
+          <a:noFill/>
+          <a:ln w="38100">
+            <a:noFill/>
+          </a:ln>
+        </p:spPr>
+        <p:txBody>
+          <a:bodyPr wrap="square" rtlCol="0">
+            <a:spAutoFit/>
+          </a:bodyPr>
+          <a:lstStyle/>
+          <a:p>
+            <a:pPr algn="ctr"/>
+            <a:r>
+              <a:rPr lang="en-US" sz="1200" dirty="0">
+                <a:ln w="0"/>
+                <a:solidFill>
+                  <a:srgbClr val="FF0000"/>
+                </a:solidFill>
+                <a:effectLst>
+                  <a:outerShdw blurRad="38100" dist="19050" dir="2700000" algn="tl" rotWithShape="0">
+                    <a:schemeClr val="dk1">
+                      <a:alpha val="40000"/>
+                    </a:schemeClr>
+                  </a:outerShdw>
+                </a:effectLst>
+              </a:rPr>
+              <a:t>11</a:t>
+            </a:r>
+            <a:endParaRPr lang="en-US" dirty="0">
+              <a:ln w="0"/>
+              <a:solidFill>
+                <a:srgbClr val="FF0000"/>
+              </a:solidFill>
+              <a:effectLst>
+                <a:outerShdw blurRad="38100" dist="19050" dir="2700000" algn="tl" rotWithShape="0">
+                  <a:schemeClr val="dk1">
+                    <a:alpha val="40000"/>
+                  </a:schemeClr>
+                </a:outerShdw>
+              </a:effectLst>
+            </a:endParaRPr>
+          </a:p>
+        </p:txBody>
+      </p:sp>
+    </p:spTree>
+    <p:extLst>
+      <p:ext uri="{BB962C8B-B14F-4D97-AF65-F5344CB8AC3E}">
+        <p14:creationId xmlns:p14="http://schemas.microsoft.com/office/powerpoint/2010/main" val="2991273452"/>
+      </p:ext>
+    </p:extLst>
+  </p:cSld>
+  <p:clrMapOvr>
+    <a:masterClrMapping/>
+  </p:clrMapOvr>
+  <mc:AlternateContent xmlns:mc="http://schemas.openxmlformats.org/markup-compatibility/2006" xmlns:p14="http://schemas.microsoft.com/office/powerpoint/2010/main">
+    <mc:Choice Requires="p14">
+      <p:transition spd="med" p14:dur="700">
+        <p:fade/>
+      </p:transition>
+    </mc:Choice>
+    <mc:Fallback xmlns="">
+      <p:transition spd="med">
+        <p:fade/>
+      </p:transition>
+    </mc:Fallback>
+  </mc:AlternateContent>
+</p:sld>
+</file>
+
+<file path=ppt/slides/slide9.xml><?xml version="1.0" encoding="utf-8"?>
+<p:sld xmlns:a="http://schemas.openxmlformats.org/drawingml/2006/main" xmlns:r="http://schemas.openxmlformats.org/officeDocument/2006/relationships" xmlns:p="http://schemas.openxmlformats.org/presentationml/2006/main">
+  <p:cSld>
+    <p:spTree>
+      <p:nvGrpSpPr>
+        <p:cNvPr id="1" name=""/>
+        <p:cNvGrpSpPr/>
+        <p:nvPr/>
+      </p:nvGrpSpPr>
+      <p:grpSpPr>
+        <a:xfrm>
+          <a:off x="0" y="0"/>
+          <a:ext cx="0" cy="0"/>
+          <a:chOff x="0" y="0"/>
+          <a:chExt cx="0" cy="0"/>
+        </a:xfrm>
+      </p:grpSpPr>
+      <p:sp>
+        <p:nvSpPr>
+          <p:cNvPr id="2" name="Title 1">
+            <a:extLst>
+              <a:ext uri="{FF2B5EF4-FFF2-40B4-BE49-F238E27FC236}">
+                <a16:creationId xmlns:a16="http://schemas.microsoft.com/office/drawing/2014/main" id="{0F36C59B-4C4E-41E5-B0F6-40C34A1E8206}"/>
+              </a:ext>
+            </a:extLst>
+          </p:cNvPr>
+          <p:cNvSpPr>
+            <a:spLocks noGrp="1"/>
+          </p:cNvSpPr>
+          <p:nvPr>
+            <p:ph type="title"/>
+          </p:nvPr>
+        </p:nvSpPr>
+        <p:spPr/>
+        <p:txBody>
+          <a:bodyPr/>
+          <a:lstStyle/>
+          <a:p>
+            <a:r>
+              <a:rPr lang="en-US" dirty="0">
+                <a:solidFill>
+                  <a:srgbClr val="FFC000"/>
+                </a:solidFill>
+              </a:rPr>
+              <a:t>Sentiment Dashboard</a:t>
             </a:r>
           </a:p>
         </p:txBody>
@@ -4994,25 +6368,241 @@
         </p:nvSpPr>
         <p:spPr>
           <a:xfrm>
-            <a:off x="1219200" y="1426464"/>
-            <a:ext cx="9753600" cy="4572000"/>
+            <a:off x="1219200" y="1204156"/>
+            <a:ext cx="9753600" cy="5158894"/>
           </a:xfrm>
         </p:spPr>
         <p:txBody>
           <a:bodyPr>
-            <a:normAutofit/>
+            <a:normAutofit fontScale="77500" lnSpcReduction="20000"/>
           </a:bodyPr>
           <a:lstStyle/>
           <a:p>
-            <a:pPr algn="just"/>
-            <a:endParaRPr lang="en-US" sz="2000" dirty="0"/>
+            <a:pPr marL="525780" indent="-457200" algn="just">
+              <a:buFont typeface="+mj-lt"/>
+              <a:buAutoNum type="arabicPeriod"/>
+            </a:pPr>
+            <a:r>
+              <a:rPr lang="en-US" sz="2000" dirty="0"/>
+              <a:t>Sentiment Distribution </a:t>
+            </a:r>
+            <a:r>
+              <a:rPr lang="en-US" sz="2000" dirty="0">
+                <a:solidFill>
+                  <a:srgbClr val="FFFF00"/>
+                </a:solidFill>
+              </a:rPr>
+              <a:t>(Pie Chart)</a:t>
+            </a:r>
+          </a:p>
+          <a:p>
+            <a:pPr marL="854964" lvl="1" indent="-457200" algn="just"/>
+            <a:r>
+              <a:rPr lang="en-US" sz="1600" dirty="0"/>
+              <a:t>Gives a general view on the sentiment distribution in the current map extent.</a:t>
+            </a:r>
+          </a:p>
+          <a:p>
+            <a:pPr marL="525780" indent="-457200" algn="just">
+              <a:buFont typeface="+mj-lt"/>
+              <a:buAutoNum type="arabicPeriod"/>
+            </a:pPr>
+            <a:r>
+              <a:rPr lang="en-US" sz="2000" dirty="0"/>
+              <a:t>Info Summary </a:t>
+            </a:r>
+            <a:r>
+              <a:rPr lang="en-US" sz="2000" dirty="0">
+                <a:solidFill>
+                  <a:srgbClr val="FFFF00"/>
+                </a:solidFill>
+              </a:rPr>
+              <a:t>(List)</a:t>
+            </a:r>
+          </a:p>
+          <a:p>
+            <a:pPr marL="854964" lvl="1" indent="-457200" algn="just"/>
+            <a:r>
+              <a:rPr lang="en-US" sz="1600" dirty="0"/>
+              <a:t>A summary that shows some info (ex: count) about the visible layers in the current map extent.</a:t>
+            </a:r>
+          </a:p>
+          <a:p>
+            <a:pPr marL="525780" indent="-457200" algn="just">
+              <a:buFont typeface="+mj-lt"/>
+              <a:buAutoNum type="arabicPeriod"/>
+            </a:pPr>
+            <a:r>
+              <a:rPr lang="en-US" sz="2000" dirty="0"/>
+              <a:t>Top Positive / Negative Locations </a:t>
+            </a:r>
+            <a:r>
+              <a:rPr lang="en-US" sz="2000" dirty="0">
+                <a:solidFill>
+                  <a:srgbClr val="FFFF00"/>
+                </a:solidFill>
+              </a:rPr>
+              <a:t>(Column Charts)</a:t>
+            </a:r>
+          </a:p>
+          <a:p>
+            <a:pPr marL="854964" lvl="1" indent="-457200" algn="just"/>
+            <a:r>
+              <a:rPr lang="en-US" sz="1600" dirty="0"/>
+              <a:t>Allows the viewer to view the locations with most positive or negative sentiment.</a:t>
+            </a:r>
+          </a:p>
+          <a:p>
+            <a:pPr marL="525780" indent="-457200" algn="just">
+              <a:buFont typeface="+mj-lt"/>
+              <a:buAutoNum type="arabicPeriod"/>
+            </a:pPr>
+            <a:r>
+              <a:rPr lang="en-US" sz="2000" dirty="0"/>
+              <a:t>Top Tweeters / Top Tweet Sources </a:t>
+            </a:r>
+            <a:r>
+              <a:rPr lang="en-US" sz="2000" dirty="0">
+                <a:solidFill>
+                  <a:srgbClr val="FFFF00"/>
+                </a:solidFill>
+              </a:rPr>
+              <a:t>(Doughnut Chart)</a:t>
+            </a:r>
+          </a:p>
+          <a:p>
+            <a:pPr marL="854964" lvl="1" indent="-457200" algn="just"/>
+            <a:r>
+              <a:rPr lang="en-US" sz="1600" dirty="0"/>
+              <a:t>Displays the top 10 users that tweeted the most tweets in the dataset.</a:t>
+            </a:r>
+          </a:p>
+          <a:p>
+            <a:pPr marL="525780" indent="-457200" algn="just">
+              <a:buFont typeface="+mj-lt"/>
+              <a:buAutoNum type="arabicPeriod"/>
+            </a:pPr>
+            <a:r>
+              <a:rPr lang="en-US" sz="2000" dirty="0"/>
+              <a:t>Sentiment Over Time </a:t>
+            </a:r>
+            <a:r>
+              <a:rPr lang="en-US" sz="2000" dirty="0">
+                <a:solidFill>
+                  <a:srgbClr val="FFFF00"/>
+                </a:solidFill>
+              </a:rPr>
+              <a:t>(Line Chart )</a:t>
+            </a:r>
+          </a:p>
+          <a:p>
+            <a:pPr marL="854964" lvl="1" indent="-457200" algn="just"/>
+            <a:r>
+              <a:rPr lang="en-US" sz="1600" dirty="0"/>
+              <a:t>Displays how the sentiment changed over time.</a:t>
+            </a:r>
+          </a:p>
+          <a:p>
+            <a:pPr marL="525780" indent="-457200" algn="just">
+              <a:buFont typeface="+mj-lt"/>
+              <a:buAutoNum type="arabicPeriod"/>
+            </a:pPr>
+            <a:r>
+              <a:rPr lang="en-US" sz="2000" dirty="0"/>
+              <a:t>Base Map</a:t>
+            </a:r>
+          </a:p>
+          <a:p>
+            <a:pPr marL="525780" indent="-457200" algn="just">
+              <a:buFont typeface="+mj-lt"/>
+              <a:buAutoNum type="arabicPeriod"/>
+            </a:pPr>
+            <a:r>
+              <a:rPr lang="en-US" sz="2000" dirty="0"/>
+              <a:t>Layer List</a:t>
+            </a:r>
+          </a:p>
+          <a:p>
+            <a:pPr marL="854964" lvl="1" indent="-457200" algn="just"/>
+            <a:r>
+              <a:rPr lang="en-US" sz="1500" dirty="0"/>
+              <a:t> Allows to turn on/off layers</a:t>
+            </a:r>
+          </a:p>
+          <a:p>
+            <a:pPr marL="525780" indent="-457200" algn="just">
+              <a:buFont typeface="+mj-lt"/>
+              <a:buAutoNum type="arabicPeriod"/>
+            </a:pPr>
+            <a:r>
+              <a:rPr lang="en-US" sz="2100" dirty="0"/>
+              <a:t>User Search</a:t>
+            </a:r>
+          </a:p>
+          <a:p>
+            <a:pPr marL="854964" lvl="1" indent="-457200" algn="just"/>
+            <a:r>
+              <a:rPr lang="en-US" sz="1500" dirty="0"/>
+              <a:t>Allows to search for a specific user and displays his different tweets and sentiments.</a:t>
+            </a:r>
+          </a:p>
+          <a:p>
+            <a:pPr marL="525780" indent="-457200" algn="just">
+              <a:buFont typeface="+mj-lt"/>
+              <a:buAutoNum type="arabicPeriod"/>
+            </a:pPr>
+            <a:r>
+              <a:rPr lang="en-US" sz="2100" dirty="0"/>
+              <a:t>Location Search</a:t>
+            </a:r>
+          </a:p>
+          <a:p>
+            <a:pPr marL="854964" lvl="1" indent="-457200" algn="just"/>
+            <a:r>
+              <a:rPr lang="en-US" sz="1500" dirty="0"/>
+              <a:t>Allows to search for a specific location and view it’s specific sentiment.</a:t>
+            </a:r>
+          </a:p>
+          <a:p>
+            <a:pPr marL="525780" indent="-457200" algn="just">
+              <a:buFont typeface="+mj-lt"/>
+              <a:buAutoNum type="arabicPeriod"/>
+            </a:pPr>
+            <a:r>
+              <a:rPr lang="en-US" sz="2100" dirty="0"/>
+              <a:t>Time Slider</a:t>
+            </a:r>
+          </a:p>
+          <a:p>
+            <a:pPr marL="854964" lvl="1" indent="-457200" algn="just"/>
+            <a:r>
+              <a:rPr lang="en-US" sz="1500" dirty="0"/>
+              <a:t>Allows to play day by day data and display it on the map.</a:t>
+            </a:r>
+          </a:p>
+          <a:p>
+            <a:pPr marL="525780" indent="-457200" algn="just">
+              <a:buFont typeface="+mj-lt"/>
+              <a:buAutoNum type="arabicPeriod"/>
+            </a:pPr>
+            <a:r>
+              <a:rPr lang="en-US" sz="2100" dirty="0"/>
+              <a:t>Proximity Search</a:t>
+            </a:r>
+          </a:p>
+          <a:p>
+            <a:pPr marL="854964" lvl="1" indent="-457200" algn="just"/>
+            <a:r>
+              <a:rPr lang="en-US" sz="1500" dirty="0"/>
+              <a:t>Allows to get the nearest users and locations according to the a specific point the viewer chooses.</a:t>
+            </a:r>
           </a:p>
         </p:txBody>
       </p:sp>
     </p:spTree>
     <p:extLst>
       <p:ext uri="{BB962C8B-B14F-4D97-AF65-F5344CB8AC3E}">
-        <p14:creationId xmlns:p14="http://schemas.microsoft.com/office/powerpoint/2010/main" val="2991273452"/>
+        <p14:creationId xmlns:p14="http://schemas.microsoft.com/office/powerpoint/2010/main" val="2158303859"/>
       </p:ext>
     </p:extLst>
   </p:cSld>

--- a/Reports/Geospatial Intelligence_v2.pptx
+++ b/Reports/Geospatial Intelligence_v2.pptx
@@ -5,10 +5,10 @@
     <p:sldMasterId id="2147483696" r:id="rId1"/>
   </p:sldMasterIdLst>
   <p:notesMasterIdLst>
-    <p:notesMasterId r:id="rId13"/>
+    <p:notesMasterId r:id="rId12"/>
   </p:notesMasterIdLst>
   <p:handoutMasterIdLst>
-    <p:handoutMasterId r:id="rId14"/>
+    <p:handoutMasterId r:id="rId13"/>
   </p:handoutMasterIdLst>
   <p:sldIdLst>
     <p:sldId id="258" r:id="rId2"/>
@@ -21,7 +21,6 @@
     <p:sldId id="265" r:id="rId9"/>
     <p:sldId id="266" r:id="rId10"/>
     <p:sldId id="267" r:id="rId11"/>
-    <p:sldId id="268" r:id="rId12"/>
   </p:sldIdLst>
   <p:sldSz cx="12192000" cy="6858000"/>
   <p:notesSz cx="6858000" cy="9144000"/>
@@ -224,7 +223,7 @@
           <a:p>
             <a:fld id="{8906F081-8781-4431-8FD4-2CF608CD7C47}" type="datetimeFigureOut">
               <a:rPr lang="en-US" smtClean="0"/>
-              <a:t>7/25/2020</a:t>
+              <a:t>7/27/2020</a:t>
             </a:fld>
             <a:endParaRPr lang="en-US"/>
           </a:p>
@@ -389,7 +388,7 @@
           <a:p>
             <a:fld id="{F06CA47C-B7FD-4BE9-B0E6-81BA758D95F2}" type="datetimeFigureOut">
               <a:rPr lang="en-US" smtClean="0"/>
-              <a:t>7/25/2020</a:t>
+              <a:t>7/27/2020</a:t>
             </a:fld>
             <a:endParaRPr lang="en-US"/>
           </a:p>
@@ -900,7 +899,7 @@
           <a:p>
             <a:fld id="{33024136-D290-48F3-A182-4C46BEB5146B}" type="datetime1">
               <a:rPr lang="en-US" smtClean="0"/>
-              <a:t>7/25/2020</a:t>
+              <a:t>7/27/2020</a:t>
             </a:fld>
             <a:endParaRPr lang="en-US" dirty="0"/>
           </a:p>
@@ -1084,7 +1083,7 @@
           <a:p>
             <a:fld id="{9CC7D44C-38B1-4D0F-9006-D5774F331095}" type="datetime1">
               <a:rPr lang="en-US" smtClean="0"/>
-              <a:t>7/25/2020</a:t>
+              <a:t>7/27/2020</a:t>
             </a:fld>
             <a:endParaRPr lang="en-US"/>
           </a:p>
@@ -1278,7 +1277,7 @@
           <a:p>
             <a:fld id="{F98D518A-FD4F-4358-B95B-9DB5A17160FB}" type="datetime1">
               <a:rPr lang="en-US" smtClean="0"/>
-              <a:t>7/25/2020</a:t>
+              <a:t>7/27/2020</a:t>
             </a:fld>
             <a:endParaRPr lang="en-US"/>
           </a:p>
@@ -1471,7 +1470,7 @@
           <a:p>
             <a:fld id="{5E2A9F4F-03AD-4497-A65D-076601BD41D2}" type="datetime1">
               <a:rPr lang="en-US" smtClean="0"/>
-              <a:t>7/25/2020</a:t>
+              <a:t>7/27/2020</a:t>
             </a:fld>
             <a:endParaRPr lang="en-US"/>
           </a:p>
@@ -1694,7 +1693,7 @@
           <a:p>
             <a:fld id="{EDFBF3AC-A781-43AA-8BD5-B12F49168B94}" type="datetime1">
               <a:rPr lang="en-US" smtClean="0"/>
-              <a:t>7/25/2020</a:t>
+              <a:t>7/27/2020</a:t>
             </a:fld>
             <a:endParaRPr lang="en-US"/>
           </a:p>
@@ -1979,7 +1978,7 @@
           <a:p>
             <a:fld id="{C5256A41-C91B-43FF-9881-F5DA9878418F}" type="datetime1">
               <a:rPr lang="en-US" smtClean="0"/>
-              <a:t>7/25/2020</a:t>
+              <a:t>7/27/2020</a:t>
             </a:fld>
             <a:endParaRPr lang="en-US"/>
           </a:p>
@@ -2382,7 +2381,7 @@
           <a:p>
             <a:fld id="{FFD7AA76-41EE-4C13-950E-E611B8B8FC52}" type="datetime1">
               <a:rPr lang="en-US" smtClean="0"/>
-              <a:t>7/25/2020</a:t>
+              <a:t>7/27/2020</a:t>
             </a:fld>
             <a:endParaRPr lang="en-US"/>
           </a:p>
@@ -2529,7 +2528,7 @@
           <a:p>
             <a:fld id="{89407A26-E7BC-4498-97E4-87AF12377CA9}" type="datetime1">
               <a:rPr lang="en-US" smtClean="0"/>
-              <a:t>7/25/2020</a:t>
+              <a:t>7/27/2020</a:t>
             </a:fld>
             <a:endParaRPr lang="en-US"/>
           </a:p>
@@ -2644,7 +2643,7 @@
           <a:p>
             <a:fld id="{93EA4171-1117-4486-993C-35A7470D8847}" type="datetime1">
               <a:rPr lang="en-US" smtClean="0"/>
-              <a:t>7/25/2020</a:t>
+              <a:t>7/27/2020</a:t>
             </a:fld>
             <a:endParaRPr lang="en-US"/>
           </a:p>
@@ -2916,7 +2915,7 @@
           <a:p>
             <a:fld id="{472A4CB8-1563-4663-81DB-74EB416C19BE}" type="datetime1">
               <a:rPr lang="en-US" smtClean="0"/>
-              <a:t>7/25/2020</a:t>
+              <a:t>7/27/2020</a:t>
             </a:fld>
             <a:endParaRPr lang="en-US"/>
           </a:p>
@@ -3252,7 +3251,7 @@
           <a:p>
             <a:fld id="{0C6724CE-2468-448B-87C1-A92EDD78369B}" type="datetime1">
               <a:rPr lang="en-US" smtClean="0"/>
-              <a:t>7/25/2020</a:t>
+              <a:t>7/27/2020</a:t>
             </a:fld>
             <a:endParaRPr lang="en-US"/>
           </a:p>
@@ -3513,7 +3512,7 @@
           <a:p>
             <a:fld id="{4CD11720-76E7-46E6-B0AA-057287C42052}" type="datetime1">
               <a:rPr lang="en-US" smtClean="0"/>
-              <a:t>7/25/2020</a:t>
+              <a:t>7/27/2020</a:t>
             </a:fld>
             <a:endParaRPr lang="en-US" dirty="0"/>
           </a:p>
@@ -4097,7 +4096,7 @@
             <a:pPr algn="just"/>
             <a:r>
               <a:rPr lang="en-US" sz="2000" dirty="0"/>
-              <a:t>The dashboard is still under review, but this is the basic idea of what we will show for sentimental analysis.</a:t>
+              <a:t>The dashboard is still under review, but this is the basic idea of what I will show for sentimental analysis.</a:t>
             </a:r>
           </a:p>
         </p:txBody>
@@ -4106,151 +4105,6 @@
     <p:extLst>
       <p:ext uri="{BB962C8B-B14F-4D97-AF65-F5344CB8AC3E}">
         <p14:creationId xmlns:p14="http://schemas.microsoft.com/office/powerpoint/2010/main" val="3956281563"/>
-      </p:ext>
-    </p:extLst>
-  </p:cSld>
-  <p:clrMapOvr>
-    <a:masterClrMapping/>
-  </p:clrMapOvr>
-  <mc:AlternateContent xmlns:mc="http://schemas.openxmlformats.org/markup-compatibility/2006" xmlns:p14="http://schemas.microsoft.com/office/powerpoint/2010/main">
-    <mc:Choice Requires="p14">
-      <p:transition spd="med" p14:dur="700">
-        <p:fade/>
-      </p:transition>
-    </mc:Choice>
-    <mc:Fallback xmlns="">
-      <p:transition spd="med">
-        <p:fade/>
-      </p:transition>
-    </mc:Fallback>
-  </mc:AlternateContent>
-</p:sld>
-</file>
-
-<file path=ppt/slides/slide11.xml><?xml version="1.0" encoding="utf-8"?>
-<p:sld xmlns:a="http://schemas.openxmlformats.org/drawingml/2006/main" xmlns:r="http://schemas.openxmlformats.org/officeDocument/2006/relationships" xmlns:p="http://schemas.openxmlformats.org/presentationml/2006/main">
-  <p:cSld>
-    <p:spTree>
-      <p:nvGrpSpPr>
-        <p:cNvPr id="1" name=""/>
-        <p:cNvGrpSpPr/>
-        <p:nvPr/>
-      </p:nvGrpSpPr>
-      <p:grpSpPr>
-        <a:xfrm>
-          <a:off x="0" y="0"/>
-          <a:ext cx="0" cy="0"/>
-          <a:chOff x="0" y="0"/>
-          <a:chExt cx="0" cy="0"/>
-        </a:xfrm>
-      </p:grpSpPr>
-      <p:sp>
-        <p:nvSpPr>
-          <p:cNvPr id="2" name="Title 1">
-            <a:extLst>
-              <a:ext uri="{FF2B5EF4-FFF2-40B4-BE49-F238E27FC236}">
-                <a16:creationId xmlns:a16="http://schemas.microsoft.com/office/drawing/2014/main" id="{0F36C59B-4C4E-41E5-B0F6-40C34A1E8206}"/>
-              </a:ext>
-            </a:extLst>
-          </p:cNvPr>
-          <p:cNvSpPr>
-            <a:spLocks noGrp="1"/>
-          </p:cNvSpPr>
-          <p:nvPr>
-            <p:ph type="title"/>
-          </p:nvPr>
-        </p:nvSpPr>
-        <p:spPr/>
-        <p:txBody>
-          <a:bodyPr/>
-          <a:lstStyle/>
-          <a:p>
-            <a:r>
-              <a:rPr lang="en-US" dirty="0">
-                <a:solidFill>
-                  <a:srgbClr val="FFC000"/>
-                </a:solidFill>
-              </a:rPr>
-              <a:t>Sentiment Dashboard</a:t>
-            </a:r>
-          </a:p>
-        </p:txBody>
-      </p:sp>
-      <p:sp>
-        <p:nvSpPr>
-          <p:cNvPr id="3" name="Content Placeholder 2">
-            <a:extLst>
-              <a:ext uri="{FF2B5EF4-FFF2-40B4-BE49-F238E27FC236}">
-                <a16:creationId xmlns:a16="http://schemas.microsoft.com/office/drawing/2014/main" id="{5B203ACD-331D-4417-BD57-013D6E9FECFD}"/>
-              </a:ext>
-            </a:extLst>
-          </p:cNvPr>
-          <p:cNvSpPr>
-            <a:spLocks noGrp="1"/>
-          </p:cNvSpPr>
-          <p:nvPr>
-            <p:ph idx="1"/>
-          </p:nvPr>
-        </p:nvSpPr>
-        <p:spPr>
-          <a:xfrm>
-            <a:off x="1219200" y="1426464"/>
-            <a:ext cx="9753600" cy="4572000"/>
-          </a:xfrm>
-        </p:spPr>
-        <p:txBody>
-          <a:bodyPr>
-            <a:normAutofit/>
-          </a:bodyPr>
-          <a:lstStyle/>
-          <a:p>
-            <a:pPr algn="just"/>
-            <a:r>
-              <a:rPr lang="en-US" sz="2000" dirty="0"/>
-              <a:t>The dashboard contains 3 sections:</a:t>
-            </a:r>
-          </a:p>
-          <a:p>
-            <a:pPr lvl="1" algn="just"/>
-            <a:r>
-              <a:rPr lang="en-US" sz="1600" dirty="0"/>
-              <a:t>The Base Map (6) where the layers are displayed.</a:t>
-            </a:r>
-          </a:p>
-          <a:p>
-            <a:pPr lvl="1" algn="just"/>
-            <a:r>
-              <a:rPr lang="en-US" sz="1600" dirty="0"/>
-              <a:t>The Outer Widgets (1-5) which include a general view on the data.</a:t>
-            </a:r>
-          </a:p>
-          <a:p>
-            <a:pPr lvl="1" algn="just"/>
-            <a:r>
-              <a:rPr lang="en-US" sz="1600" dirty="0"/>
-              <a:t>The Inner Widgets (7-11) which provides additional functions that help the viewer search for specific data.</a:t>
-            </a:r>
-          </a:p>
-          <a:p>
-            <a:pPr algn="just"/>
-            <a:r>
-              <a:rPr lang="en-US" sz="2000" dirty="0"/>
-              <a:t>The aim of this dashboard is to provide both general and specific data that can help the viewer get the general conclusion of the data or dig deep into it for more insights.</a:t>
-            </a:r>
-          </a:p>
-          <a:p>
-            <a:pPr algn="just"/>
-            <a:r>
-              <a:rPr lang="en-US" sz="2000" dirty="0"/>
-              <a:t>The dashboard is still under review, but this is the basic idea of what we will show for sentimental analysis.</a:t>
-            </a:r>
-          </a:p>
-        </p:txBody>
-      </p:sp>
-    </p:spTree>
-    <p:extLst>
-      <p:ext uri="{BB962C8B-B14F-4D97-AF65-F5344CB8AC3E}">
-        <p14:creationId xmlns:p14="http://schemas.microsoft.com/office/powerpoint/2010/main" val="4194262971"/>
       </p:ext>
     </p:extLst>
   </p:cSld>
@@ -4362,6 +4216,13 @@
             <a:r>
               <a:rPr lang="en-US" dirty="0"/>
               <a:t>Analyzing The Data</a:t>
+            </a:r>
+          </a:p>
+          <a:p>
+            <a:pPr lvl="0"/>
+            <a:r>
+              <a:rPr lang="en-US" dirty="0"/>
+              <a:t>Sentiment Dashboard</a:t>
             </a:r>
           </a:p>
         </p:txBody>
@@ -4907,7 +4768,11 @@
             <a:pPr algn="just"/>
             <a:r>
               <a:rPr lang="en-US" sz="2400" dirty="0"/>
-              <a:t>Both of these methods will be used to get &amp; manage our data.</a:t>
+              <a:t>Both of these methods will be used to get &amp; manage our </a:t>
+            </a:r>
+            <a:r>
+              <a:rPr lang="en-US" sz="2400"/>
+              <a:t>data.</a:t>
             </a:r>
           </a:p>
         </p:txBody>
@@ -5225,8 +5090,22 @@
           <a:p>
             <a:pPr lvl="2" algn="just"/>
             <a:r>
+              <a:rPr lang="en-US" sz="2200" dirty="0"/>
+              <a:t>Will include some text mining techniques for more analysis</a:t>
+            </a:r>
+          </a:p>
+          <a:p>
+            <a:pPr lvl="2" algn="just"/>
+            <a:r>
               <a:rPr lang="en-US" sz="2000" dirty="0"/>
               <a:t>Currently In Progress…</a:t>
+            </a:r>
+          </a:p>
+          <a:p>
+            <a:pPr algn="just"/>
+            <a:r>
+              <a:rPr lang="en-US" sz="2600" dirty="0"/>
+              <a:t>The idea is to try different kinds of analysis and visualize them.</a:t>
             </a:r>
           </a:p>
         </p:txBody>
